--- a/Français/4. Analysing data/4.Bins.pptx
+++ b/Français/4. Analysing data/4.Bins.pptx
@@ -205,7 +205,7 @@
           <a:p>
             <a:fld id="{056BA3B8-9F76-4D81-B71D-76CB85363062}" type="datetimeFigureOut">
               <a:rPr lang="en-US" smtClean="0"/>
-              <a:t>2/26/2025</a:t>
+              <a:t>3/5/2025</a:t>
             </a:fld>
             <a:endParaRPr lang="en-US"/>
           </a:p>
@@ -688,7 +688,7 @@
           <a:p>
             <a:fld id="{6F01DA4D-20EA-48D2-973C-0311EC3005D6}" type="datetimeFigureOut">
               <a:rPr lang="en-US" smtClean="0"/>
-              <a:t>2/26/2025</a:t>
+              <a:t>3/5/2025</a:t>
             </a:fld>
             <a:endParaRPr lang="en-US"/>
           </a:p>
@@ -858,7 +858,7 @@
           <a:p>
             <a:fld id="{6F01DA4D-20EA-48D2-973C-0311EC3005D6}" type="datetimeFigureOut">
               <a:rPr lang="en-US" smtClean="0"/>
-              <a:t>2/26/2025</a:t>
+              <a:t>3/5/2025</a:t>
             </a:fld>
             <a:endParaRPr lang="en-US"/>
           </a:p>
@@ -1038,7 +1038,7 @@
           <a:p>
             <a:fld id="{6F01DA4D-20EA-48D2-973C-0311EC3005D6}" type="datetimeFigureOut">
               <a:rPr lang="en-US" smtClean="0"/>
-              <a:t>2/26/2025</a:t>
+              <a:t>3/5/2025</a:t>
             </a:fld>
             <a:endParaRPr lang="en-US"/>
           </a:p>
@@ -1208,7 +1208,7 @@
           <a:p>
             <a:fld id="{6F01DA4D-20EA-48D2-973C-0311EC3005D6}" type="datetimeFigureOut">
               <a:rPr lang="en-US" smtClean="0"/>
-              <a:t>2/26/2025</a:t>
+              <a:t>3/5/2025</a:t>
             </a:fld>
             <a:endParaRPr lang="en-US"/>
           </a:p>
@@ -1454,7 +1454,7 @@
           <a:p>
             <a:fld id="{6F01DA4D-20EA-48D2-973C-0311EC3005D6}" type="datetimeFigureOut">
               <a:rPr lang="en-US" smtClean="0"/>
-              <a:t>2/26/2025</a:t>
+              <a:t>3/5/2025</a:t>
             </a:fld>
             <a:endParaRPr lang="en-US"/>
           </a:p>
@@ -1686,7 +1686,7 @@
           <a:p>
             <a:fld id="{6F01DA4D-20EA-48D2-973C-0311EC3005D6}" type="datetimeFigureOut">
               <a:rPr lang="en-US" smtClean="0"/>
-              <a:t>2/26/2025</a:t>
+              <a:t>3/5/2025</a:t>
             </a:fld>
             <a:endParaRPr lang="en-US"/>
           </a:p>
@@ -2053,7 +2053,7 @@
           <a:p>
             <a:fld id="{6F01DA4D-20EA-48D2-973C-0311EC3005D6}" type="datetimeFigureOut">
               <a:rPr lang="en-US" smtClean="0"/>
-              <a:t>2/26/2025</a:t>
+              <a:t>3/5/2025</a:t>
             </a:fld>
             <a:endParaRPr lang="en-US"/>
           </a:p>
@@ -2171,7 +2171,7 @@
           <a:p>
             <a:fld id="{6F01DA4D-20EA-48D2-973C-0311EC3005D6}" type="datetimeFigureOut">
               <a:rPr lang="en-US" smtClean="0"/>
-              <a:t>2/26/2025</a:t>
+              <a:t>3/5/2025</a:t>
             </a:fld>
             <a:endParaRPr lang="en-US"/>
           </a:p>
@@ -2266,7 +2266,7 @@
           <a:p>
             <a:fld id="{6F01DA4D-20EA-48D2-973C-0311EC3005D6}" type="datetimeFigureOut">
               <a:rPr lang="en-US" smtClean="0"/>
-              <a:t>2/26/2025</a:t>
+              <a:t>3/5/2025</a:t>
             </a:fld>
             <a:endParaRPr lang="en-US"/>
           </a:p>
@@ -2543,7 +2543,7 @@
           <a:p>
             <a:fld id="{6F01DA4D-20EA-48D2-973C-0311EC3005D6}" type="datetimeFigureOut">
               <a:rPr lang="en-US" smtClean="0"/>
-              <a:t>2/26/2025</a:t>
+              <a:t>3/5/2025</a:t>
             </a:fld>
             <a:endParaRPr lang="en-US"/>
           </a:p>
@@ -2796,7 +2796,7 @@
           <a:p>
             <a:fld id="{6F01DA4D-20EA-48D2-973C-0311EC3005D6}" type="datetimeFigureOut">
               <a:rPr lang="en-US" smtClean="0"/>
-              <a:t>2/26/2025</a:t>
+              <a:t>3/5/2025</a:t>
             </a:fld>
             <a:endParaRPr lang="en-US"/>
           </a:p>
@@ -3009,7 +3009,7 @@
           <a:p>
             <a:fld id="{6F01DA4D-20EA-48D2-973C-0311EC3005D6}" type="datetimeFigureOut">
               <a:rPr lang="en-US" smtClean="0"/>
-              <a:t>2/26/2025</a:t>
+              <a:t>3/5/2025</a:t>
             </a:fld>
             <a:endParaRPr lang="en-US"/>
           </a:p>
@@ -3645,7 +3645,7 @@
         <p:spPr>
           <a:xfrm>
             <a:off x="398760" y="220007"/>
-            <a:ext cx="3785780" cy="523220"/>
+            <a:ext cx="4073936" cy="523220"/>
           </a:xfrm>
           <a:prstGeom prst="rect">
             <a:avLst/>
@@ -3659,27 +3659,27 @@
           <a:lstStyle/>
           <a:p>
             <a:r>
-              <a:rPr lang="en-US" sz="2800" dirty="0" smtClean="0">
+              <a:rPr lang="en-US" sz="2800" b="1" dirty="0" smtClean="0">
                 <a:latin typeface="Segoe UI" panose="020B0502040204020203" pitchFamily="34" charset="0"/>
                 <a:cs typeface="Segoe UI" panose="020B0502040204020203" pitchFamily="34" charset="0"/>
               </a:rPr>
               <a:t>Bins (</a:t>
             </a:r>
             <a:r>
-              <a:rPr lang="en-US" sz="2800" dirty="0" err="1" smtClean="0">
+              <a:rPr lang="en-US" sz="2800" b="1" dirty="0" err="1" smtClean="0">
                 <a:latin typeface="Segoe UI" panose="020B0502040204020203" pitchFamily="34" charset="0"/>
                 <a:cs typeface="Segoe UI" panose="020B0502040204020203" pitchFamily="34" charset="0"/>
               </a:rPr>
               <a:t>Compartiements</a:t>
             </a:r>
             <a:r>
-              <a:rPr lang="en-US" sz="2800" dirty="0" smtClean="0">
+              <a:rPr lang="en-US" sz="2800" b="1" dirty="0" smtClean="0">
                 <a:latin typeface="Segoe UI" panose="020B0502040204020203" pitchFamily="34" charset="0"/>
                 <a:cs typeface="Segoe UI" panose="020B0502040204020203" pitchFamily="34" charset="0"/>
               </a:rPr>
               <a:t>)</a:t>
             </a:r>
-            <a:endParaRPr lang="en-US" sz="2800" dirty="0">
+            <a:endParaRPr lang="en-US" sz="2800" b="1" dirty="0">
               <a:latin typeface="Segoe UI" panose="020B0502040204020203" pitchFamily="34" charset="0"/>
               <a:cs typeface="Segoe UI" panose="020B0502040204020203" pitchFamily="34" charset="0"/>
             </a:endParaRPr>
@@ -3734,7 +3734,7 @@
         <p:spPr>
           <a:xfrm>
             <a:off x="398759" y="777027"/>
-            <a:ext cx="10085430" cy="369332"/>
+            <a:ext cx="10752796" cy="369332"/>
           </a:xfrm>
           <a:prstGeom prst="rect">
             <a:avLst/>
@@ -3747,46 +3747,79 @@
           <a:lstStyle/>
           <a:p>
             <a:r>
-              <a:rPr lang="fr-FR" b="1" dirty="0"/>
+              <a:rPr lang="fr-FR" b="1" dirty="0">
+                <a:latin typeface="Segoe UI" panose="020B0502040204020203" pitchFamily="34" charset="0"/>
+                <a:cs typeface="Segoe UI" panose="020B0502040204020203" pitchFamily="34" charset="0"/>
+              </a:rPr>
               <a:t>Note : </a:t>
             </a:r>
             <a:r>
-              <a:rPr lang="fr-FR" dirty="0"/>
+              <a:rPr lang="fr-FR" dirty="0">
+                <a:latin typeface="Segoe UI" panose="020B0502040204020203" pitchFamily="34" charset="0"/>
+                <a:cs typeface="Segoe UI" panose="020B0502040204020203" pitchFamily="34" charset="0"/>
+              </a:rPr>
               <a:t>Ce laboratoire utilise le fichier </a:t>
             </a:r>
             <a:r>
-              <a:rPr lang="fr-FR" b="1" dirty="0"/>
+              <a:rPr lang="fr-FR" b="1" dirty="0">
+                <a:latin typeface="Segoe UI" panose="020B0502040204020203" pitchFamily="34" charset="0"/>
+                <a:cs typeface="Segoe UI" panose="020B0502040204020203" pitchFamily="34" charset="0"/>
+              </a:rPr>
               <a:t>gdp.xlsx </a:t>
             </a:r>
             <a:r>
-              <a:rPr lang="fr-FR" dirty="0"/>
+              <a:rPr lang="fr-FR" dirty="0">
+                <a:latin typeface="Segoe UI" panose="020B0502040204020203" pitchFamily="34" charset="0"/>
+                <a:cs typeface="Segoe UI" panose="020B0502040204020203" pitchFamily="34" charset="0"/>
+              </a:rPr>
               <a:t>situé dans le dossier </a:t>
             </a:r>
             <a:r>
-              <a:rPr lang="fr-FR" b="1" dirty="0" err="1"/>
+              <a:rPr lang="fr-FR" b="1" dirty="0" err="1">
+                <a:latin typeface="Segoe UI" panose="020B0502040204020203" pitchFamily="34" charset="0"/>
+                <a:cs typeface="Segoe UI" panose="020B0502040204020203" pitchFamily="34" charset="0"/>
+              </a:rPr>
               <a:t>resources</a:t>
             </a:r>
             <a:r>
-              <a:rPr lang="fr-FR" b="1" dirty="0"/>
+              <a:rPr lang="fr-FR" b="1" dirty="0">
+                <a:latin typeface="Segoe UI" panose="020B0502040204020203" pitchFamily="34" charset="0"/>
+                <a:cs typeface="Segoe UI" panose="020B0502040204020203" pitchFamily="34" charset="0"/>
+              </a:rPr>
               <a:t>\</a:t>
             </a:r>
             <a:r>
-              <a:rPr lang="fr-FR" b="1" dirty="0" err="1"/>
+              <a:rPr lang="fr-FR" b="1" dirty="0" err="1">
+                <a:latin typeface="Segoe UI" panose="020B0502040204020203" pitchFamily="34" charset="0"/>
+                <a:cs typeface="Segoe UI" panose="020B0502040204020203" pitchFamily="34" charset="0"/>
+              </a:rPr>
               <a:t>Drillthrough</a:t>
             </a:r>
             <a:r>
-              <a:rPr lang="fr-FR" b="1" dirty="0"/>
-              <a:t> and </a:t>
-            </a:r>
-            <a:r>
-              <a:rPr lang="fr-FR" b="1" dirty="0" err="1"/>
-              <a:t>Filter</a:t>
-            </a:r>
-            <a:r>
-              <a:rPr lang="fr-FR" dirty="0"/>
+              <a:rPr lang="fr-FR" b="1" dirty="0">
+                <a:latin typeface="Segoe UI" panose="020B0502040204020203" pitchFamily="34" charset="0"/>
+                <a:cs typeface="Segoe UI" panose="020B0502040204020203" pitchFamily="34" charset="0"/>
+              </a:rPr>
+              <a:t> </a:t>
+            </a:r>
+            <a:r>
+              <a:rPr lang="fr-FR" b="1" dirty="0" smtClean="0">
+                <a:latin typeface="Segoe UI" panose="020B0502040204020203" pitchFamily="34" charset="0"/>
+                <a:cs typeface="Segoe UI" panose="020B0502040204020203" pitchFamily="34" charset="0"/>
+              </a:rPr>
+              <a:t>et Filtre</a:t>
+            </a:r>
+            <a:r>
+              <a:rPr lang="fr-FR" dirty="0" smtClean="0">
+                <a:latin typeface="Segoe UI" panose="020B0502040204020203" pitchFamily="34" charset="0"/>
+                <a:cs typeface="Segoe UI" panose="020B0502040204020203" pitchFamily="34" charset="0"/>
+              </a:rPr>
               <a:t>.</a:t>
             </a:r>
-            <a:endParaRPr lang="en-US" dirty="0"/>
+            <a:endParaRPr lang="en-US" dirty="0">
+              <a:latin typeface="Segoe UI" panose="020B0502040204020203" pitchFamily="34" charset="0"/>
+              <a:cs typeface="Segoe UI" panose="020B0502040204020203" pitchFamily="34" charset="0"/>
+            </a:endParaRPr>
           </a:p>
         </p:txBody>
       </p:sp>
@@ -3798,7 +3831,7 @@
         </p:nvSpPr>
         <p:spPr>
           <a:xfrm>
-            <a:off x="398759" y="1394387"/>
+            <a:off x="398759" y="1387512"/>
             <a:ext cx="11076612" cy="646331"/>
           </a:xfrm>
           <a:prstGeom prst="rect">
@@ -3812,38 +3845,65 @@
           <a:lstStyle/>
           <a:p>
             <a:r>
-              <a:rPr lang="fr-FR" dirty="0"/>
+              <a:rPr lang="fr-FR" dirty="0">
+                <a:latin typeface="Segoe UI" panose="020B0502040204020203" pitchFamily="34" charset="0"/>
+                <a:cs typeface="Segoe UI" panose="020B0502040204020203" pitchFamily="34" charset="0"/>
+              </a:rPr>
               <a:t>Naviguez jusqu'à l'emplacement du fichier </a:t>
             </a:r>
             <a:r>
-              <a:rPr lang="fr-FR" b="1" dirty="0"/>
+              <a:rPr lang="fr-FR" b="1" dirty="0">
+                <a:latin typeface="Segoe UI" panose="020B0502040204020203" pitchFamily="34" charset="0"/>
+                <a:cs typeface="Segoe UI" panose="020B0502040204020203" pitchFamily="34" charset="0"/>
+              </a:rPr>
               <a:t>gdp.xlsx</a:t>
             </a:r>
             <a:r>
-              <a:rPr lang="fr-FR" dirty="0"/>
+              <a:rPr lang="fr-FR" dirty="0">
+                <a:latin typeface="Segoe UI" panose="020B0502040204020203" pitchFamily="34" charset="0"/>
+                <a:cs typeface="Segoe UI" panose="020B0502040204020203" pitchFamily="34" charset="0"/>
+              </a:rPr>
               <a:t> et chargez les deux tables </a:t>
             </a:r>
             <a:r>
-              <a:rPr lang="fr-FR" b="1" dirty="0"/>
+              <a:rPr lang="fr-FR" b="1" dirty="0">
+                <a:latin typeface="Segoe UI" panose="020B0502040204020203" pitchFamily="34" charset="0"/>
+                <a:cs typeface="Segoe UI" panose="020B0502040204020203" pitchFamily="34" charset="0"/>
+              </a:rPr>
               <a:t>Continent</a:t>
             </a:r>
             <a:r>
-              <a:rPr lang="fr-FR" dirty="0"/>
+              <a:rPr lang="fr-FR" dirty="0">
+                <a:latin typeface="Segoe UI" panose="020B0502040204020203" pitchFamily="34" charset="0"/>
+                <a:cs typeface="Segoe UI" panose="020B0502040204020203" pitchFamily="34" charset="0"/>
+              </a:rPr>
               <a:t> et </a:t>
             </a:r>
             <a:r>
-              <a:rPr lang="fr-FR" b="1" dirty="0" err="1"/>
+              <a:rPr lang="fr-FR" b="1" dirty="0" err="1">
+                <a:latin typeface="Segoe UI" panose="020B0502040204020203" pitchFamily="34" charset="0"/>
+                <a:cs typeface="Segoe UI" panose="020B0502040204020203" pitchFamily="34" charset="0"/>
+              </a:rPr>
               <a:t>gdp</a:t>
             </a:r>
             <a:r>
-              <a:rPr lang="fr-FR" b="1" dirty="0"/>
+              <a:rPr lang="fr-FR" b="1" dirty="0">
+                <a:latin typeface="Segoe UI" panose="020B0502040204020203" pitchFamily="34" charset="0"/>
+                <a:cs typeface="Segoe UI" panose="020B0502040204020203" pitchFamily="34" charset="0"/>
+              </a:rPr>
               <a:t> 2018 au </a:t>
             </a:r>
             <a:r>
-              <a:rPr lang="fr-FR" dirty="0"/>
+              <a:rPr lang="fr-FR" dirty="0">
+                <a:latin typeface="Segoe UI" panose="020B0502040204020203" pitchFamily="34" charset="0"/>
+                <a:cs typeface="Segoe UI" panose="020B0502040204020203" pitchFamily="34" charset="0"/>
+              </a:rPr>
               <a:t>niveau de l'éditeur de requêtes.</a:t>
             </a:r>
-            <a:endParaRPr lang="en-US" dirty="0"/>
+            <a:endParaRPr lang="en-US" dirty="0">
+              <a:latin typeface="Segoe UI" panose="020B0502040204020203" pitchFamily="34" charset="0"/>
+              <a:cs typeface="Segoe UI" panose="020B0502040204020203" pitchFamily="34" charset="0"/>
+            </a:endParaRPr>
           </a:p>
         </p:txBody>
       </p:sp>
@@ -3856,7 +3916,7 @@
         <p:spPr>
           <a:xfrm>
             <a:off x="398759" y="2181632"/>
-            <a:ext cx="5679247" cy="369332"/>
+            <a:ext cx="6132576" cy="369332"/>
           </a:xfrm>
           <a:prstGeom prst="rect">
             <a:avLst/>
@@ -3869,18 +3929,37 @@
           <a:lstStyle/>
           <a:p>
             <a:r>
-              <a:rPr lang="fr-FR" dirty="0"/>
+              <a:rPr lang="fr-FR" dirty="0">
+                <a:latin typeface="Segoe UI" panose="020B0502040204020203" pitchFamily="34" charset="0"/>
+                <a:cs typeface="Segoe UI" panose="020B0502040204020203" pitchFamily="34" charset="0"/>
+              </a:rPr>
               <a:t>Importez la table </a:t>
             </a:r>
             <a:r>
-              <a:rPr lang="fr-FR" b="1" dirty="0" err="1"/>
-              <a:t>Summary</a:t>
-            </a:r>
-            <a:r>
-              <a:rPr lang="fr-FR" dirty="0"/>
-              <a:t> au niveau de la liste des tables.</a:t>
-            </a:r>
-            <a:endParaRPr lang="en-US" dirty="0"/>
+              <a:rPr lang="fr-FR" b="1" dirty="0" smtClean="0">
+                <a:latin typeface="Segoe UI" panose="020B0502040204020203" pitchFamily="34" charset="0"/>
+                <a:cs typeface="Segoe UI" panose="020B0502040204020203" pitchFamily="34" charset="0"/>
+              </a:rPr>
+              <a:t>Synthèse</a:t>
+            </a:r>
+            <a:r>
+              <a:rPr lang="fr-FR" dirty="0" smtClean="0">
+                <a:latin typeface="Segoe UI" panose="020B0502040204020203" pitchFamily="34" charset="0"/>
+                <a:cs typeface="Segoe UI" panose="020B0502040204020203" pitchFamily="34" charset="0"/>
+              </a:rPr>
+              <a:t> </a:t>
+            </a:r>
+            <a:r>
+              <a:rPr lang="fr-FR" dirty="0">
+                <a:latin typeface="Segoe UI" panose="020B0502040204020203" pitchFamily="34" charset="0"/>
+                <a:cs typeface="Segoe UI" panose="020B0502040204020203" pitchFamily="34" charset="0"/>
+              </a:rPr>
+              <a:t>au niveau de la liste des tables.</a:t>
+            </a:r>
+            <a:endParaRPr lang="en-US" dirty="0">
+              <a:latin typeface="Segoe UI" panose="020B0502040204020203" pitchFamily="34" charset="0"/>
+              <a:cs typeface="Segoe UI" panose="020B0502040204020203" pitchFamily="34" charset="0"/>
+            </a:endParaRPr>
           </a:p>
         </p:txBody>
       </p:sp>
@@ -3892,7 +3971,7 @@
         </p:nvSpPr>
         <p:spPr>
           <a:xfrm>
-            <a:off x="493263" y="2669090"/>
+            <a:off x="398759" y="2698753"/>
             <a:ext cx="10228251" cy="369332"/>
           </a:xfrm>
           <a:prstGeom prst="rect">
@@ -3906,34 +3985,58 @@
           <a:lstStyle/>
           <a:p>
             <a:r>
-              <a:rPr lang="fr-FR" dirty="0"/>
+              <a:rPr lang="fr-FR" dirty="0">
+                <a:latin typeface="Segoe UI" panose="020B0502040204020203" pitchFamily="34" charset="0"/>
+                <a:cs typeface="Segoe UI" panose="020B0502040204020203" pitchFamily="34" charset="0"/>
+              </a:rPr>
               <a:t>Vérifiez que la relation entre </a:t>
             </a:r>
             <a:r>
-              <a:rPr lang="fr-FR" b="1" dirty="0" smtClean="0"/>
+              <a:rPr lang="fr-FR" b="1" dirty="0" smtClean="0">
+                <a:latin typeface="Segoe UI" panose="020B0502040204020203" pitchFamily="34" charset="0"/>
+                <a:cs typeface="Segoe UI" panose="020B0502040204020203" pitchFamily="34" charset="0"/>
+              </a:rPr>
               <a:t>Contient</a:t>
             </a:r>
             <a:r>
-              <a:rPr lang="fr-FR" dirty="0" smtClean="0"/>
+              <a:rPr lang="fr-FR" dirty="0" smtClean="0">
+                <a:latin typeface="Segoe UI" panose="020B0502040204020203" pitchFamily="34" charset="0"/>
+                <a:cs typeface="Segoe UI" panose="020B0502040204020203" pitchFamily="34" charset="0"/>
+              </a:rPr>
               <a:t> </a:t>
             </a:r>
             <a:r>
-              <a:rPr lang="fr-FR" dirty="0"/>
+              <a:rPr lang="fr-FR" dirty="0">
+                <a:latin typeface="Segoe UI" panose="020B0502040204020203" pitchFamily="34" charset="0"/>
+                <a:cs typeface="Segoe UI" panose="020B0502040204020203" pitchFamily="34" charset="0"/>
+              </a:rPr>
               <a:t>et </a:t>
             </a:r>
             <a:r>
-              <a:rPr lang="fr-FR" b="1" dirty="0" smtClean="0"/>
+              <a:rPr lang="fr-FR" b="1" dirty="0" smtClean="0">
+                <a:latin typeface="Segoe UI" panose="020B0502040204020203" pitchFamily="34" charset="0"/>
+                <a:cs typeface="Segoe UI" panose="020B0502040204020203" pitchFamily="34" charset="0"/>
+              </a:rPr>
               <a:t>Synthèse</a:t>
             </a:r>
             <a:r>
-              <a:rPr lang="fr-FR" dirty="0" smtClean="0"/>
+              <a:rPr lang="fr-FR" dirty="0" smtClean="0">
+                <a:latin typeface="Segoe UI" panose="020B0502040204020203" pitchFamily="34" charset="0"/>
+                <a:cs typeface="Segoe UI" panose="020B0502040204020203" pitchFamily="34" charset="0"/>
+              </a:rPr>
               <a:t> </a:t>
             </a:r>
             <a:r>
-              <a:rPr lang="fr-FR" dirty="0"/>
+              <a:rPr lang="fr-FR" dirty="0">
+                <a:latin typeface="Segoe UI" panose="020B0502040204020203" pitchFamily="34" charset="0"/>
+                <a:cs typeface="Segoe UI" panose="020B0502040204020203" pitchFamily="34" charset="0"/>
+              </a:rPr>
               <a:t>est bien établie.</a:t>
             </a:r>
-            <a:endParaRPr lang="en-US" dirty="0"/>
+            <a:endParaRPr lang="en-US" dirty="0">
+              <a:latin typeface="Segoe UI" panose="020B0502040204020203" pitchFamily="34" charset="0"/>
+              <a:cs typeface="Segoe UI" panose="020B0502040204020203" pitchFamily="34" charset="0"/>
+            </a:endParaRPr>
           </a:p>
         </p:txBody>
       </p:sp>
@@ -3976,7 +4079,7 @@
         <p:spPr>
           <a:xfrm>
             <a:off x="398760" y="220007"/>
-            <a:ext cx="3785780" cy="523220"/>
+            <a:ext cx="3879973" cy="523220"/>
           </a:xfrm>
           <a:prstGeom prst="rect">
             <a:avLst/>
@@ -3990,27 +4093,34 @@
           <a:lstStyle/>
           <a:p>
             <a:r>
-              <a:rPr lang="en-US" sz="2800" dirty="0" smtClean="0">
+              <a:rPr lang="en-US" sz="2800" b="1" dirty="0" smtClean="0">
                 <a:latin typeface="Segoe UI" panose="020B0502040204020203" pitchFamily="34" charset="0"/>
                 <a:cs typeface="Segoe UI" panose="020B0502040204020203" pitchFamily="34" charset="0"/>
               </a:rPr>
-              <a:t>Bins (</a:t>
-            </a:r>
-            <a:r>
-              <a:rPr lang="en-US" sz="2800" dirty="0" err="1" smtClean="0">
+              <a:t>Bins </a:t>
+            </a:r>
+            <a:r>
+              <a:rPr lang="en-US" sz="2800" b="1" dirty="0" smtClean="0">
                 <a:latin typeface="Segoe UI" panose="020B0502040204020203" pitchFamily="34" charset="0"/>
                 <a:cs typeface="Segoe UI" panose="020B0502040204020203" pitchFamily="34" charset="0"/>
               </a:rPr>
-              <a:t>Compartiements</a:t>
-            </a:r>
-            <a:r>
-              <a:rPr lang="en-US" sz="2800" dirty="0" smtClean="0">
+              <a:t>(</a:t>
+            </a:r>
+            <a:r>
+              <a:rPr lang="fr-FR" sz="2800" b="1" dirty="0" smtClean="0">
                 <a:latin typeface="Segoe UI" panose="020B0502040204020203" pitchFamily="34" charset="0"/>
                 <a:cs typeface="Segoe UI" panose="020B0502040204020203" pitchFamily="34" charset="0"/>
               </a:rPr>
+              <a:t>Compartiments</a:t>
+            </a:r>
+            <a:r>
+              <a:rPr lang="en-US" sz="2800" b="1" dirty="0" smtClean="0">
+                <a:latin typeface="Segoe UI" panose="020B0502040204020203" pitchFamily="34" charset="0"/>
+                <a:cs typeface="Segoe UI" panose="020B0502040204020203" pitchFamily="34" charset="0"/>
+              </a:rPr>
               <a:t>)</a:t>
             </a:r>
-            <a:endParaRPr lang="en-US" sz="2800" dirty="0">
+            <a:endParaRPr lang="en-US" sz="2800" b="1" dirty="0">
               <a:latin typeface="Segoe UI" panose="020B0502040204020203" pitchFamily="34" charset="0"/>
               <a:cs typeface="Segoe UI" panose="020B0502040204020203" pitchFamily="34" charset="0"/>
             </a:endParaRPr>
@@ -4236,7 +4346,7 @@
         <p:spPr>
           <a:xfrm>
             <a:off x="398760" y="220007"/>
-            <a:ext cx="3785780" cy="523220"/>
+            <a:ext cx="3879973" cy="523220"/>
           </a:xfrm>
           <a:prstGeom prst="rect">
             <a:avLst/>
@@ -4250,27 +4360,27 @@
           <a:lstStyle/>
           <a:p>
             <a:r>
-              <a:rPr lang="en-US" sz="2800" dirty="0" smtClean="0">
+              <a:rPr lang="en-US" sz="2800" b="1" dirty="0" smtClean="0">
                 <a:latin typeface="Segoe UI" panose="020B0502040204020203" pitchFamily="34" charset="0"/>
                 <a:cs typeface="Segoe UI" panose="020B0502040204020203" pitchFamily="34" charset="0"/>
               </a:rPr>
               <a:t>Bins (</a:t>
             </a:r>
             <a:r>
-              <a:rPr lang="en-US" sz="2800" dirty="0" err="1" smtClean="0">
+              <a:rPr lang="en-US" sz="2800" b="1" dirty="0" err="1" smtClean="0">
                 <a:latin typeface="Segoe UI" panose="020B0502040204020203" pitchFamily="34" charset="0"/>
                 <a:cs typeface="Segoe UI" panose="020B0502040204020203" pitchFamily="34" charset="0"/>
               </a:rPr>
-              <a:t>Compartiements</a:t>
-            </a:r>
-            <a:r>
-              <a:rPr lang="en-US" sz="2800" dirty="0" smtClean="0">
+              <a:t>Compartiments</a:t>
+            </a:r>
+            <a:r>
+              <a:rPr lang="en-US" sz="2800" b="1" dirty="0" smtClean="0">
                 <a:latin typeface="Segoe UI" panose="020B0502040204020203" pitchFamily="34" charset="0"/>
                 <a:cs typeface="Segoe UI" panose="020B0502040204020203" pitchFamily="34" charset="0"/>
               </a:rPr>
               <a:t>)</a:t>
             </a:r>
-            <a:endParaRPr lang="en-US" sz="2800" dirty="0">
+            <a:endParaRPr lang="en-US" sz="2800" b="1" dirty="0">
               <a:latin typeface="Segoe UI" panose="020B0502040204020203" pitchFamily="34" charset="0"/>
               <a:cs typeface="Segoe UI" panose="020B0502040204020203" pitchFamily="34" charset="0"/>
             </a:endParaRPr>
@@ -4293,8 +4403,8 @@
         </p:blipFill>
         <p:spPr>
           <a:xfrm>
-            <a:off x="4586956" y="2289411"/>
-            <a:ext cx="4163591" cy="4063263"/>
+            <a:off x="3314338" y="3248527"/>
+            <a:ext cx="3417780" cy="3335423"/>
           </a:xfrm>
           <a:prstGeom prst="rect">
             <a:avLst/>
@@ -4319,7 +4429,7 @@
         </p:nvSpPr>
         <p:spPr>
           <a:xfrm>
-            <a:off x="5919536" y="2731169"/>
+            <a:off x="4278733" y="3726545"/>
             <a:ext cx="577516" cy="517358"/>
           </a:xfrm>
           <a:prstGeom prst="ellipse">
@@ -4369,7 +4479,7 @@
         </p:nvSpPr>
         <p:spPr>
           <a:xfrm>
-            <a:off x="5025189" y="5073317"/>
+            <a:off x="3701217" y="5500535"/>
             <a:ext cx="577516" cy="517358"/>
           </a:xfrm>
           <a:prstGeom prst="ellipse">
@@ -4427,7 +4537,7 @@
         </p:blipFill>
         <p:spPr>
           <a:xfrm>
-            <a:off x="9178677" y="2289411"/>
+            <a:off x="9771521" y="391859"/>
             <a:ext cx="2353003" cy="1619476"/>
           </a:xfrm>
           <a:prstGeom prst="rect">
@@ -4453,7 +4563,7 @@
         </p:nvSpPr>
         <p:spPr>
           <a:xfrm>
-            <a:off x="9178677" y="3248527"/>
+            <a:off x="9771520" y="1336719"/>
             <a:ext cx="2353003" cy="324852"/>
           </a:xfrm>
           <a:prstGeom prst="rect">
@@ -4515,14 +4625,23 @@
           <a:lstStyle/>
           <a:p>
             <a:r>
-              <a:rPr lang="fr-FR" sz="2000" dirty="0"/>
+              <a:rPr lang="fr-FR" sz="2000" dirty="0">
+                <a:latin typeface="Segoe UI" panose="020B0502040204020203" pitchFamily="34" charset="0"/>
+                <a:cs typeface="Segoe UI" panose="020B0502040204020203" pitchFamily="34" charset="0"/>
+              </a:rPr>
               <a:t>Notez qu'il y a maintenant deux options au niveau du type de compartiment : </a:t>
             </a:r>
             <a:r>
-              <a:rPr lang="fr-FR" sz="2000" b="1" dirty="0"/>
+              <a:rPr lang="fr-FR" sz="2000" b="1" dirty="0">
+                <a:latin typeface="Segoe UI" panose="020B0502040204020203" pitchFamily="34" charset="0"/>
+                <a:cs typeface="Segoe UI" panose="020B0502040204020203" pitchFamily="34" charset="0"/>
+              </a:rPr>
               <a:t>Bin (Compartiment) et List (Liste).</a:t>
             </a:r>
-            <a:endParaRPr lang="en-US" sz="2000" b="1" dirty="0"/>
+            <a:endParaRPr lang="en-US" sz="2000" b="1" dirty="0">
+              <a:latin typeface="Segoe UI" panose="020B0502040204020203" pitchFamily="34" charset="0"/>
+              <a:cs typeface="Segoe UI" panose="020B0502040204020203" pitchFamily="34" charset="0"/>
+            </a:endParaRPr>
           </a:p>
         </p:txBody>
       </p:sp>
@@ -4534,7 +4653,7 @@
         </p:nvSpPr>
         <p:spPr>
           <a:xfrm>
-            <a:off x="401051" y="1422201"/>
+            <a:off x="401050" y="2092414"/>
             <a:ext cx="11723473" cy="707886"/>
           </a:xfrm>
           <a:prstGeom prst="rect">
@@ -4548,26 +4667,44 @@
           <a:lstStyle/>
           <a:p>
             <a:r>
-              <a:rPr lang="fr-FR" sz="2000" dirty="0"/>
+              <a:rPr lang="fr-FR" sz="2000" dirty="0">
+                <a:latin typeface="Segoe UI" panose="020B0502040204020203" pitchFamily="34" charset="0"/>
+                <a:cs typeface="Segoe UI" panose="020B0502040204020203" pitchFamily="34" charset="0"/>
+              </a:rPr>
               <a:t>Choisissez </a:t>
             </a:r>
             <a:r>
-              <a:rPr lang="fr-FR" sz="2000" b="1" dirty="0"/>
+              <a:rPr lang="fr-FR" sz="2000" b="1" dirty="0">
+                <a:latin typeface="Segoe UI" panose="020B0502040204020203" pitchFamily="34" charset="0"/>
+                <a:cs typeface="Segoe UI" panose="020B0502040204020203" pitchFamily="34" charset="0"/>
+              </a:rPr>
               <a:t>Bin</a:t>
             </a:r>
             <a:r>
-              <a:rPr lang="fr-FR" sz="2000" dirty="0"/>
+              <a:rPr lang="fr-FR" sz="2000" dirty="0">
+                <a:latin typeface="Segoe UI" panose="020B0502040204020203" pitchFamily="34" charset="0"/>
+                <a:cs typeface="Segoe UI" panose="020B0502040204020203" pitchFamily="34" charset="0"/>
+              </a:rPr>
               <a:t> et remarquez la présence d'un nouveau champ dans la table Résumé : </a:t>
             </a:r>
             <a:r>
-              <a:rPr lang="fr-FR" sz="2000" b="1" dirty="0"/>
+              <a:rPr lang="fr-FR" sz="2000" b="1" dirty="0">
+                <a:latin typeface="Segoe UI" panose="020B0502040204020203" pitchFamily="34" charset="0"/>
+                <a:cs typeface="Segoe UI" panose="020B0502040204020203" pitchFamily="34" charset="0"/>
+              </a:rPr>
               <a:t>Nombre de pays (Compartiments)</a:t>
             </a:r>
             <a:r>
-              <a:rPr lang="fr-FR" sz="2000" dirty="0"/>
+              <a:rPr lang="fr-FR" sz="2000" dirty="0">
+                <a:latin typeface="Segoe UI" panose="020B0502040204020203" pitchFamily="34" charset="0"/>
+                <a:cs typeface="Segoe UI" panose="020B0502040204020203" pitchFamily="34" charset="0"/>
+              </a:rPr>
               <a:t>.</a:t>
             </a:r>
-            <a:endParaRPr lang="en-US" sz="2000" dirty="0"/>
+            <a:endParaRPr lang="en-US" sz="2000" dirty="0">
+              <a:latin typeface="Segoe UI" panose="020B0502040204020203" pitchFamily="34" charset="0"/>
+              <a:cs typeface="Segoe UI" panose="020B0502040204020203" pitchFamily="34" charset="0"/>
+            </a:endParaRPr>
           </a:p>
         </p:txBody>
       </p:sp>
@@ -4581,8 +4718,8 @@
         </p:nvSpPr>
         <p:spPr bwMode="auto">
           <a:xfrm>
-            <a:off x="405138" y="2258634"/>
-            <a:ext cx="4384534" cy="707886"/>
+            <a:off x="398760" y="2781248"/>
+            <a:ext cx="11132920" cy="400110"/>
           </a:xfrm>
           <a:prstGeom prst="rect">
             <a:avLst/>
@@ -4622,7 +4759,7 @@
           </a:extLst>
         </p:spPr>
         <p:txBody>
-          <a:bodyPr vert="horz" wrap="none" lIns="91440" tIns="45720" rIns="91440" bIns="45720" numCol="1" anchor="ctr" anchorCtr="0" compatLnSpc="1">
+          <a:bodyPr vert="horz" wrap="square" lIns="91440" tIns="45720" rIns="91440" bIns="45720" numCol="1" anchor="ctr" anchorCtr="0" compatLnSpc="1">
             <a:prstTxWarp prst="textNoShape">
               <a:avLst/>
             </a:prstTxWarp>
@@ -4657,7 +4794,39 @@
                 <a:effectLst/>
                 <a:latin typeface="Arial" panose="020B0604020202020204" pitchFamily="34" charset="0"/>
               </a:rPr>
-              <a:t>Paramètre</a:t>
+              <a:t>Changez</a:t>
+            </a:r>
+            <a:r>
+              <a:rPr kumimoji="0" lang="en-US" altLang="en-US" sz="2000" b="0" i="0" u="none" strike="noStrike" cap="none" normalizeH="0" dirty="0" smtClean="0">
+                <a:ln>
+                  <a:noFill/>
+                </a:ln>
+                <a:solidFill>
+                  <a:schemeClr val="tx1"/>
+                </a:solidFill>
+                <a:effectLst/>
+                <a:latin typeface="Arial" panose="020B0604020202020204" pitchFamily="34" charset="0"/>
+              </a:rPr>
+              <a:t> le </a:t>
+            </a:r>
+            <a:r>
+              <a:rPr lang="en-US" altLang="en-US" sz="2000" dirty="0" err="1">
+                <a:latin typeface="Arial" panose="020B0604020202020204" pitchFamily="34" charset="0"/>
+              </a:rPr>
+              <a:t>p</a:t>
+            </a:r>
+            <a:r>
+              <a:rPr kumimoji="0" lang="en-US" altLang="en-US" sz="2000" b="0" i="0" u="none" strike="noStrike" cap="none" normalizeH="0" baseline="0" dirty="0" err="1" smtClean="0">
+                <a:ln>
+                  <a:noFill/>
+                </a:ln>
+                <a:solidFill>
+                  <a:schemeClr val="tx1"/>
+                </a:solidFill>
+                <a:effectLst/>
+                <a:latin typeface="Arial" panose="020B0604020202020204" pitchFamily="34" charset="0"/>
+              </a:rPr>
+              <a:t>aramètre</a:t>
             </a:r>
             <a:r>
               <a:rPr kumimoji="0" lang="en-US" altLang="en-US" sz="2000" b="0" i="0" u="none" strike="noStrike" cap="none" normalizeH="0" baseline="0" dirty="0" smtClean="0">
@@ -4670,7 +4839,20 @@
                 <a:effectLst/>
                 <a:latin typeface="Arial" panose="020B0604020202020204" pitchFamily="34" charset="0"/>
               </a:rPr>
-              <a:t> de </a:t>
+              <a:t> </a:t>
+            </a:r>
+            <a:r>
+              <a:rPr kumimoji="0" lang="en-US" altLang="en-US" sz="2000" b="0" i="0" u="none" strike="noStrike" cap="none" normalizeH="0" baseline="0" dirty="0" smtClean="0">
+                <a:ln>
+                  <a:noFill/>
+                </a:ln>
+                <a:solidFill>
+                  <a:schemeClr val="tx1"/>
+                </a:solidFill>
+                <a:effectLst/>
+                <a:latin typeface="Arial" panose="020B0604020202020204" pitchFamily="34" charset="0"/>
+              </a:rPr>
+              <a:t>de </a:t>
             </a:r>
             <a:r>
               <a:rPr kumimoji="0" lang="en-US" altLang="en-US" sz="2000" b="0" i="0" u="none" strike="noStrike" cap="none" normalizeH="0" baseline="0" dirty="0" err="1" smtClean="0">
@@ -4696,7 +4878,33 @@
                 <a:effectLst/>
                 <a:latin typeface="Arial" panose="020B0604020202020204" pitchFamily="34" charset="0"/>
               </a:rPr>
-              <a:t> du </a:t>
+              <a:t> </a:t>
+            </a:r>
+            <a:r>
+              <a:rPr kumimoji="0" lang="en-US" altLang="en-US" sz="2000" b="0" i="0" u="none" strike="noStrike" cap="none" normalizeH="0" baseline="0" dirty="0" smtClean="0">
+                <a:ln>
+                  <a:noFill/>
+                </a:ln>
+                <a:solidFill>
+                  <a:schemeClr val="tx1"/>
+                </a:solidFill>
+                <a:effectLst/>
+                <a:latin typeface="Arial" panose="020B0604020202020204" pitchFamily="34" charset="0"/>
+              </a:rPr>
+              <a:t>du</a:t>
+            </a:r>
+            <a:r>
+              <a:rPr kumimoji="0" lang="en-US" altLang="en-US" sz="2000" b="0" i="0" u="none" strike="noStrike" cap="none" normalizeH="0" dirty="0" smtClean="0">
+                <a:ln>
+                  <a:noFill/>
+                </a:ln>
+                <a:solidFill>
+                  <a:schemeClr val="tx1"/>
+                </a:solidFill>
+                <a:effectLst/>
+                <a:latin typeface="Arial" panose="020B0604020202020204" pitchFamily="34" charset="0"/>
+              </a:rPr>
+              <a:t> </a:t>
             </a:r>
             <a:r>
               <a:rPr kumimoji="0" lang="en-US" altLang="en-US" sz="2000" b="0" i="0" u="none" strike="noStrike" cap="none" normalizeH="0" baseline="0" dirty="0" err="1" smtClean="0">
@@ -4722,26 +4930,8 @@
                 <a:effectLst/>
                 <a:latin typeface="Arial" panose="020B0604020202020204" pitchFamily="34" charset="0"/>
               </a:rPr>
-              <a:t> </a:t>
-            </a:r>
-          </a:p>
-          <a:p>
-            <a:pPr marL="0" marR="0" lvl="0" indent="0" algn="l" defTabSz="914400" rtl="0" eaLnBrk="0" fontAlgn="base" latinLnBrk="0" hangingPunct="0">
-              <a:lnSpc>
-                <a:spcPct val="100000"/>
-              </a:lnSpc>
-              <a:spcBef>
-                <a:spcPct val="0"/>
-              </a:spcBef>
-              <a:spcAft>
-                <a:spcPct val="0"/>
-              </a:spcAft>
-              <a:buClrTx/>
-              <a:buSzTx/>
-              <a:buFontTx/>
-              <a:buNone/>
-              <a:tabLst/>
-            </a:pPr>
+              <a:t> de </a:t>
+            </a:r>
             <a:r>
               <a:rPr kumimoji="0" lang="en-US" altLang="en-US" sz="2000" b="0" i="0" u="none" strike="noStrike" cap="none" normalizeH="0" baseline="0" dirty="0" smtClean="0">
                 <a:ln>
@@ -4753,7 +4943,7 @@
                 <a:effectLst/>
                 <a:latin typeface="Arial" panose="020B0604020202020204" pitchFamily="34" charset="0"/>
               </a:rPr>
-              <a:t>de 14 à 10.</a:t>
+              <a:t>14 à 10.</a:t>
             </a:r>
           </a:p>
         </p:txBody>
@@ -4797,7 +4987,7 @@
         <p:spPr>
           <a:xfrm>
             <a:off x="398760" y="220007"/>
-            <a:ext cx="3785780" cy="523220"/>
+            <a:ext cx="4073936" cy="523220"/>
           </a:xfrm>
           <a:prstGeom prst="rect">
             <a:avLst/>
@@ -4811,27 +5001,27 @@
           <a:lstStyle/>
           <a:p>
             <a:r>
-              <a:rPr lang="en-US" sz="2800" dirty="0" smtClean="0">
+              <a:rPr lang="en-US" sz="2800" b="1" dirty="0" smtClean="0">
                 <a:latin typeface="Segoe UI" panose="020B0502040204020203" pitchFamily="34" charset="0"/>
                 <a:cs typeface="Segoe UI" panose="020B0502040204020203" pitchFamily="34" charset="0"/>
               </a:rPr>
               <a:t>Bins (</a:t>
             </a:r>
             <a:r>
-              <a:rPr lang="en-US" sz="2800" dirty="0" err="1" smtClean="0">
+              <a:rPr lang="en-US" sz="2800" b="1" dirty="0" err="1" smtClean="0">
                 <a:latin typeface="Segoe UI" panose="020B0502040204020203" pitchFamily="34" charset="0"/>
                 <a:cs typeface="Segoe UI" panose="020B0502040204020203" pitchFamily="34" charset="0"/>
               </a:rPr>
               <a:t>Compartiements</a:t>
             </a:r>
             <a:r>
-              <a:rPr lang="en-US" sz="2800" dirty="0" smtClean="0">
+              <a:rPr lang="en-US" sz="2800" b="1" dirty="0" smtClean="0">
                 <a:latin typeface="Segoe UI" panose="020B0502040204020203" pitchFamily="34" charset="0"/>
                 <a:cs typeface="Segoe UI" panose="020B0502040204020203" pitchFamily="34" charset="0"/>
               </a:rPr>
               <a:t>)</a:t>
             </a:r>
-            <a:endParaRPr lang="en-US" sz="2800" dirty="0">
+            <a:endParaRPr lang="en-US" sz="2800" b="1" dirty="0">
               <a:latin typeface="Segoe UI" panose="020B0502040204020203" pitchFamily="34" charset="0"/>
               <a:cs typeface="Segoe UI" panose="020B0502040204020203" pitchFamily="34" charset="0"/>
             </a:endParaRPr>
@@ -4881,15 +5071,7 @@
                 <a:ea typeface="Calibri" panose="020F0502020204030204" pitchFamily="34" charset="0"/>
                 <a:cs typeface="Times New Roman" panose="02020603050405020304" pitchFamily="18" charset="0"/>
               </a:rPr>
-              <a:t>et</a:t>
-            </a:r>
-            <a:r>
-              <a:rPr lang="fr-FR" dirty="0" smtClean="0">
-                <a:latin typeface="Segoe UI" panose="020B0502040204020203" pitchFamily="34" charset="0"/>
-                <a:ea typeface="Calibri" panose="020F0502020204030204" pitchFamily="34" charset="0"/>
-                <a:cs typeface="Times New Roman" panose="02020603050405020304" pitchFamily="18" charset="0"/>
-              </a:rPr>
-              <a:t> </a:t>
+              <a:t>et </a:t>
             </a:r>
             <a:r>
               <a:rPr lang="fr-FR" dirty="0">
@@ -5025,15 +5207,7 @@
                 <a:ea typeface="Calibri" panose="020F0502020204030204" pitchFamily="34" charset="0"/>
                 <a:cs typeface="Times New Roman" panose="02020603050405020304" pitchFamily="18" charset="0"/>
               </a:rPr>
-              <a:t>et</a:t>
-            </a:r>
-            <a:r>
-              <a:rPr lang="fr-FR" dirty="0" smtClean="0">
-                <a:latin typeface="Segoe UI" panose="020B0502040204020203" pitchFamily="34" charset="0"/>
-                <a:ea typeface="Calibri" panose="020F0502020204030204" pitchFamily="34" charset="0"/>
-                <a:cs typeface="Times New Roman" panose="02020603050405020304" pitchFamily="18" charset="0"/>
-              </a:rPr>
-              <a:t> </a:t>
+              <a:t>et </a:t>
             </a:r>
             <a:r>
               <a:rPr lang="fr-FR" dirty="0">
@@ -5648,7 +5822,7 @@
         <p:spPr>
           <a:xfrm>
             <a:off x="398760" y="220007"/>
-            <a:ext cx="3785780" cy="523220"/>
+            <a:ext cx="4073936" cy="523220"/>
           </a:xfrm>
           <a:prstGeom prst="rect">
             <a:avLst/>
@@ -5662,27 +5836,27 @@
           <a:lstStyle/>
           <a:p>
             <a:r>
-              <a:rPr lang="en-US" sz="2800" dirty="0" smtClean="0">
+              <a:rPr lang="en-US" sz="2800" b="1" dirty="0" smtClean="0">
                 <a:latin typeface="Segoe UI" panose="020B0502040204020203" pitchFamily="34" charset="0"/>
                 <a:cs typeface="Segoe UI" panose="020B0502040204020203" pitchFamily="34" charset="0"/>
               </a:rPr>
               <a:t>Bins (</a:t>
             </a:r>
             <a:r>
-              <a:rPr lang="en-US" sz="2800" dirty="0" err="1" smtClean="0">
+              <a:rPr lang="en-US" sz="2800" b="1" dirty="0" err="1" smtClean="0">
                 <a:latin typeface="Segoe UI" panose="020B0502040204020203" pitchFamily="34" charset="0"/>
                 <a:cs typeface="Segoe UI" panose="020B0502040204020203" pitchFamily="34" charset="0"/>
               </a:rPr>
               <a:t>Compartiements</a:t>
             </a:r>
             <a:r>
-              <a:rPr lang="en-US" sz="2800" dirty="0" smtClean="0">
+              <a:rPr lang="en-US" sz="2800" b="1" dirty="0" smtClean="0">
                 <a:latin typeface="Segoe UI" panose="020B0502040204020203" pitchFamily="34" charset="0"/>
                 <a:cs typeface="Segoe UI" panose="020B0502040204020203" pitchFamily="34" charset="0"/>
               </a:rPr>
               <a:t>)</a:t>
             </a:r>
-            <a:endParaRPr lang="en-US" sz="2800" dirty="0">
+            <a:endParaRPr lang="en-US" sz="2800" b="1" dirty="0">
               <a:latin typeface="Segoe UI" panose="020B0502040204020203" pitchFamily="34" charset="0"/>
               <a:cs typeface="Segoe UI" panose="020B0502040204020203" pitchFamily="34" charset="0"/>
             </a:endParaRPr>
@@ -5900,7 +6074,7 @@
               <a:tabLst/>
             </a:pPr>
             <a:r>
-              <a:rPr kumimoji="0" lang="en-US" altLang="en-US" sz="1800" b="0" i="0" u="none" strike="noStrike" cap="none" normalizeH="0" baseline="0" dirty="0" err="1" smtClean="0">
+              <a:rPr kumimoji="0" lang="fr-FR" altLang="en-US" sz="1800" b="0" i="0" u="none" strike="noStrike" cap="none" normalizeH="0" baseline="0" dirty="0" smtClean="0">
                 <a:ln>
                   <a:noFill/>
                 </a:ln>
@@ -5910,202 +6084,7 @@
                 <a:effectLst/>
                 <a:latin typeface="Arial" panose="020B0604020202020204" pitchFamily="34" charset="0"/>
               </a:rPr>
-              <a:t>Passez</a:t>
-            </a:r>
-            <a:r>
-              <a:rPr kumimoji="0" lang="en-US" altLang="en-US" sz="1800" b="0" i="0" u="none" strike="noStrike" cap="none" normalizeH="0" baseline="0" dirty="0" smtClean="0">
-                <a:ln>
-                  <a:noFill/>
-                </a:ln>
-                <a:solidFill>
-                  <a:schemeClr val="tx1"/>
-                </a:solidFill>
-                <a:effectLst/>
-                <a:latin typeface="Arial" panose="020B0604020202020204" pitchFamily="34" charset="0"/>
-              </a:rPr>
-              <a:t> à Excel et </a:t>
-            </a:r>
-            <a:r>
-              <a:rPr kumimoji="0" lang="en-US" altLang="en-US" sz="1800" b="0" i="0" u="none" strike="noStrike" cap="none" normalizeH="0" baseline="0" dirty="0" err="1" smtClean="0">
-                <a:ln>
-                  <a:noFill/>
-                </a:ln>
-                <a:solidFill>
-                  <a:schemeClr val="tx1"/>
-                </a:solidFill>
-                <a:effectLst/>
-                <a:latin typeface="Arial" panose="020B0604020202020204" pitchFamily="34" charset="0"/>
-              </a:rPr>
-              <a:t>générez</a:t>
-            </a:r>
-            <a:r>
-              <a:rPr kumimoji="0" lang="en-US" altLang="en-US" sz="1800" b="0" i="0" u="none" strike="noStrike" cap="none" normalizeH="0" baseline="0" dirty="0" smtClean="0">
-                <a:ln>
-                  <a:noFill/>
-                </a:ln>
-                <a:solidFill>
-                  <a:schemeClr val="tx1"/>
-                </a:solidFill>
-                <a:effectLst/>
-                <a:latin typeface="Arial" panose="020B0604020202020204" pitchFamily="34" charset="0"/>
-              </a:rPr>
-              <a:t> un ensemble de dates, </a:t>
-            </a:r>
-            <a:r>
-              <a:rPr kumimoji="0" lang="en-US" altLang="en-US" sz="1800" b="0" i="0" u="none" strike="noStrike" cap="none" normalizeH="0" baseline="0" dirty="0" err="1" smtClean="0">
-                <a:ln>
-                  <a:noFill/>
-                </a:ln>
-                <a:solidFill>
-                  <a:schemeClr val="tx1"/>
-                </a:solidFill>
-                <a:effectLst/>
-                <a:latin typeface="Arial" panose="020B0604020202020204" pitchFamily="34" charset="0"/>
-              </a:rPr>
-              <a:t>puis</a:t>
-            </a:r>
-            <a:r>
-              <a:rPr kumimoji="0" lang="en-US" altLang="en-US" sz="1800" b="0" i="0" u="none" strike="noStrike" cap="none" normalizeH="0" baseline="0" dirty="0" smtClean="0">
-                <a:ln>
-                  <a:noFill/>
-                </a:ln>
-                <a:solidFill>
-                  <a:schemeClr val="tx1"/>
-                </a:solidFill>
-                <a:effectLst/>
-                <a:latin typeface="Arial" panose="020B0604020202020204" pitchFamily="34" charset="0"/>
-              </a:rPr>
-              <a:t> </a:t>
-            </a:r>
-            <a:r>
-              <a:rPr kumimoji="0" lang="en-US" altLang="en-US" sz="1800" b="0" i="0" u="none" strike="noStrike" cap="none" normalizeH="0" baseline="0" dirty="0" err="1" smtClean="0">
-                <a:ln>
-                  <a:noFill/>
-                </a:ln>
-                <a:solidFill>
-                  <a:schemeClr val="tx1"/>
-                </a:solidFill>
-                <a:effectLst/>
-                <a:latin typeface="Arial" panose="020B0604020202020204" pitchFamily="34" charset="0"/>
-              </a:rPr>
-              <a:t>entrez</a:t>
-            </a:r>
-            <a:r>
-              <a:rPr kumimoji="0" lang="en-US" altLang="en-US" sz="1800" b="0" i="0" u="none" strike="noStrike" cap="none" normalizeH="0" baseline="0" dirty="0" smtClean="0">
-                <a:ln>
-                  <a:noFill/>
-                </a:ln>
-                <a:solidFill>
-                  <a:schemeClr val="tx1"/>
-                </a:solidFill>
-                <a:effectLst/>
-                <a:latin typeface="Arial" panose="020B0604020202020204" pitchFamily="34" charset="0"/>
-              </a:rPr>
-              <a:t> </a:t>
-            </a:r>
-            <a:r>
-              <a:rPr kumimoji="0" lang="en-US" altLang="en-US" sz="1800" b="0" i="0" u="none" strike="noStrike" cap="none" normalizeH="0" baseline="0" dirty="0" err="1" smtClean="0">
-                <a:ln>
-                  <a:noFill/>
-                </a:ln>
-                <a:solidFill>
-                  <a:schemeClr val="tx1"/>
-                </a:solidFill>
-                <a:effectLst/>
-                <a:latin typeface="Arial" panose="020B0604020202020204" pitchFamily="34" charset="0"/>
-              </a:rPr>
-              <a:t>ces</a:t>
-            </a:r>
-            <a:r>
-              <a:rPr kumimoji="0" lang="en-US" altLang="en-US" sz="1800" b="0" i="0" u="none" strike="noStrike" cap="none" normalizeH="0" baseline="0" dirty="0" smtClean="0">
-                <a:ln>
-                  <a:noFill/>
-                </a:ln>
-                <a:solidFill>
-                  <a:schemeClr val="tx1"/>
-                </a:solidFill>
-                <a:effectLst/>
-                <a:latin typeface="Arial" panose="020B0604020202020204" pitchFamily="34" charset="0"/>
-              </a:rPr>
-              <a:t> dates </a:t>
-            </a:r>
-            <a:r>
-              <a:rPr kumimoji="0" lang="en-US" altLang="en-US" sz="1800" b="0" i="0" u="none" strike="noStrike" cap="none" normalizeH="0" baseline="0" dirty="0" err="1" smtClean="0">
-                <a:ln>
-                  <a:noFill/>
-                </a:ln>
-                <a:solidFill>
-                  <a:schemeClr val="tx1"/>
-                </a:solidFill>
-                <a:effectLst/>
-                <a:latin typeface="Arial" panose="020B0604020202020204" pitchFamily="34" charset="0"/>
-              </a:rPr>
-              <a:t>directement</a:t>
-            </a:r>
-            <a:r>
-              <a:rPr kumimoji="0" lang="en-US" altLang="en-US" sz="1800" b="0" i="0" u="none" strike="noStrike" cap="none" normalizeH="0" baseline="0" dirty="0" smtClean="0">
-                <a:ln>
-                  <a:noFill/>
-                </a:ln>
-                <a:solidFill>
-                  <a:schemeClr val="tx1"/>
-                </a:solidFill>
-                <a:effectLst/>
-                <a:latin typeface="Arial" panose="020B0604020202020204" pitchFamily="34" charset="0"/>
-              </a:rPr>
-              <a:t> </a:t>
-            </a:r>
-            <a:r>
-              <a:rPr kumimoji="0" lang="en-US" altLang="en-US" sz="1800" b="0" i="0" u="none" strike="noStrike" cap="none" normalizeH="0" baseline="0" dirty="0" err="1" smtClean="0">
-                <a:ln>
-                  <a:noFill/>
-                </a:ln>
-                <a:solidFill>
-                  <a:schemeClr val="tx1"/>
-                </a:solidFill>
-                <a:effectLst/>
-                <a:latin typeface="Arial" panose="020B0604020202020204" pitchFamily="34" charset="0"/>
-              </a:rPr>
-              <a:t>en</a:t>
-            </a:r>
-            <a:r>
-              <a:rPr kumimoji="0" lang="en-US" altLang="en-US" sz="1800" b="0" i="0" u="none" strike="noStrike" cap="none" normalizeH="0" baseline="0" dirty="0" smtClean="0">
-                <a:ln>
-                  <a:noFill/>
-                </a:ln>
-                <a:solidFill>
-                  <a:schemeClr val="tx1"/>
-                </a:solidFill>
-                <a:effectLst/>
-                <a:latin typeface="Arial" panose="020B0604020202020204" pitchFamily="34" charset="0"/>
-              </a:rPr>
-              <a:t> </a:t>
-            </a:r>
-            <a:r>
-              <a:rPr kumimoji="0" lang="en-US" altLang="en-US" sz="1800" b="0" i="0" u="none" strike="noStrike" cap="none" normalizeH="0" baseline="0" dirty="0" err="1" smtClean="0">
-                <a:ln>
-                  <a:noFill/>
-                </a:ln>
-                <a:solidFill>
-                  <a:schemeClr val="tx1"/>
-                </a:solidFill>
-                <a:effectLst/>
-                <a:latin typeface="Arial" panose="020B0604020202020204" pitchFamily="34" charset="0"/>
-              </a:rPr>
-              <a:t>tant</a:t>
-            </a:r>
-            <a:r>
-              <a:rPr kumimoji="0" lang="en-US" altLang="en-US" sz="1800" b="0" i="0" u="none" strike="noStrike" cap="none" normalizeH="0" baseline="0" dirty="0" smtClean="0">
-                <a:ln>
-                  <a:noFill/>
-                </a:ln>
-                <a:solidFill>
-                  <a:schemeClr val="tx1"/>
-                </a:solidFill>
-                <a:effectLst/>
-                <a:latin typeface="Arial" panose="020B0604020202020204" pitchFamily="34" charset="0"/>
-              </a:rPr>
-              <a:t> que nouvelle </a:t>
+              <a:t>Passez à Excel et générez un ensemble de dates, puis entrez ces dates directement en tant que nouvelle </a:t>
             </a:r>
           </a:p>
           <a:p>
@@ -6126,7 +6105,7 @@
               <a:tabLst/>
             </a:pPr>
             <a:r>
-              <a:rPr kumimoji="0" lang="en-US" altLang="en-US" sz="1800" b="0" i="0" u="none" strike="noStrike" cap="none" normalizeH="0" baseline="0" dirty="0" smtClean="0">
+              <a:rPr kumimoji="0" lang="fr-FR" altLang="en-US" sz="1800" b="0" i="0" u="none" strike="noStrike" cap="none" normalizeH="0" baseline="0" dirty="0" smtClean="0">
                 <a:ln>
                   <a:noFill/>
                 </a:ln>
@@ -6136,10 +6115,10 @@
                 <a:effectLst/>
                 <a:latin typeface="Arial" panose="020B0604020202020204" pitchFamily="34" charset="0"/>
               </a:rPr>
-              <a:t>table </a:t>
-            </a:r>
-            <a:r>
-              <a:rPr kumimoji="0" lang="en-US" altLang="en-US" sz="1800" b="0" i="0" u="none" strike="noStrike" cap="none" normalizeH="0" baseline="0" dirty="0" err="1" smtClean="0">
+              <a:t>table dans Power BI en utilisant l'option d'importation </a:t>
+            </a:r>
+            <a:r>
+              <a:rPr kumimoji="0" lang="fr-FR" altLang="en-US" sz="1800" b="1" i="0" u="none" strike="noStrike" cap="none" normalizeH="0" baseline="0" dirty="0" smtClean="0">
                 <a:ln>
                   <a:noFill/>
                 </a:ln>
@@ -6149,10 +6128,10 @@
                 <a:effectLst/>
                 <a:latin typeface="Arial" panose="020B0604020202020204" pitchFamily="34" charset="0"/>
               </a:rPr>
-              <a:t>dans</a:t>
-            </a:r>
-            <a:r>
-              <a:rPr kumimoji="0" lang="en-US" altLang="en-US" sz="1800" b="0" i="0" u="none" strike="noStrike" cap="none" normalizeH="0" baseline="0" dirty="0" smtClean="0">
+              <a:t>Entrer des données</a:t>
+            </a:r>
+            <a:r>
+              <a:rPr kumimoji="0" lang="fr-FR" altLang="en-US" sz="1800" b="0" i="0" u="none" strike="noStrike" cap="none" normalizeH="0" baseline="0" dirty="0" smtClean="0">
                 <a:ln>
                   <a:noFill/>
                 </a:ln>
@@ -6162,164 +6141,18 @@
                 <a:effectLst/>
                 <a:latin typeface="Arial" panose="020B0604020202020204" pitchFamily="34" charset="0"/>
               </a:rPr>
-              <a:t> Power BI </a:t>
-            </a:r>
-            <a:r>
-              <a:rPr kumimoji="0" lang="en-US" altLang="en-US" sz="1800" b="0" i="0" u="none" strike="noStrike" cap="none" normalizeH="0" baseline="0" dirty="0" err="1" smtClean="0">
-                <a:ln>
-                  <a:noFill/>
-                </a:ln>
-                <a:solidFill>
-                  <a:schemeClr val="tx1"/>
-                </a:solidFill>
-                <a:effectLst/>
-                <a:latin typeface="Arial" panose="020B0604020202020204" pitchFamily="34" charset="0"/>
-              </a:rPr>
-              <a:t>en</a:t>
-            </a:r>
-            <a:r>
-              <a:rPr kumimoji="0" lang="en-US" altLang="en-US" sz="1800" b="0" i="0" u="none" strike="noStrike" cap="none" normalizeH="0" baseline="0" dirty="0" smtClean="0">
-                <a:ln>
-                  <a:noFill/>
-                </a:ln>
-                <a:solidFill>
-                  <a:schemeClr val="tx1"/>
-                </a:solidFill>
-                <a:effectLst/>
-                <a:latin typeface="Arial" panose="020B0604020202020204" pitchFamily="34" charset="0"/>
-              </a:rPr>
-              <a:t> </a:t>
-            </a:r>
-            <a:r>
-              <a:rPr kumimoji="0" lang="en-US" altLang="en-US" sz="1800" b="0" i="0" u="none" strike="noStrike" cap="none" normalizeH="0" baseline="0" dirty="0" err="1" smtClean="0">
-                <a:ln>
-                  <a:noFill/>
-                </a:ln>
-                <a:solidFill>
-                  <a:schemeClr val="tx1"/>
-                </a:solidFill>
-                <a:effectLst/>
-                <a:latin typeface="Arial" panose="020B0604020202020204" pitchFamily="34" charset="0"/>
-              </a:rPr>
-              <a:t>utilisant</a:t>
-            </a:r>
-            <a:r>
-              <a:rPr kumimoji="0" lang="en-US" altLang="en-US" sz="1800" b="0" i="0" u="none" strike="noStrike" cap="none" normalizeH="0" baseline="0" dirty="0" smtClean="0">
-                <a:ln>
-                  <a:noFill/>
-                </a:ln>
-                <a:solidFill>
-                  <a:schemeClr val="tx1"/>
-                </a:solidFill>
-                <a:effectLst/>
-                <a:latin typeface="Arial" panose="020B0604020202020204" pitchFamily="34" charset="0"/>
-              </a:rPr>
-              <a:t> </a:t>
-            </a:r>
-            <a:r>
-              <a:rPr kumimoji="0" lang="en-US" altLang="en-US" sz="1800" b="0" i="0" u="none" strike="noStrike" cap="none" normalizeH="0" baseline="0" dirty="0" err="1" smtClean="0">
-                <a:ln>
-                  <a:noFill/>
-                </a:ln>
-                <a:solidFill>
-                  <a:schemeClr val="tx1"/>
-                </a:solidFill>
-                <a:effectLst/>
-                <a:latin typeface="Arial" panose="020B0604020202020204" pitchFamily="34" charset="0"/>
-              </a:rPr>
-              <a:t>l'option</a:t>
-            </a:r>
-            <a:r>
-              <a:rPr kumimoji="0" lang="en-US" altLang="en-US" sz="1800" b="0" i="0" u="none" strike="noStrike" cap="none" normalizeH="0" baseline="0" dirty="0" smtClean="0">
-                <a:ln>
-                  <a:noFill/>
-                </a:ln>
-                <a:solidFill>
-                  <a:schemeClr val="tx1"/>
-                </a:solidFill>
-                <a:effectLst/>
-                <a:latin typeface="Arial" panose="020B0604020202020204" pitchFamily="34" charset="0"/>
-              </a:rPr>
-              <a:t> </a:t>
-            </a:r>
-            <a:r>
-              <a:rPr kumimoji="0" lang="en-US" altLang="en-US" sz="1800" b="0" i="0" u="none" strike="noStrike" cap="none" normalizeH="0" baseline="0" dirty="0" err="1" smtClean="0">
-                <a:ln>
-                  <a:noFill/>
-                </a:ln>
-                <a:solidFill>
-                  <a:schemeClr val="tx1"/>
-                </a:solidFill>
-                <a:effectLst/>
-                <a:latin typeface="Arial" panose="020B0604020202020204" pitchFamily="34" charset="0"/>
-              </a:rPr>
-              <a:t>d'importation</a:t>
-            </a:r>
-            <a:r>
-              <a:rPr kumimoji="0" lang="en-US" altLang="en-US" sz="1800" b="0" i="0" u="none" strike="noStrike" cap="none" normalizeH="0" baseline="0" dirty="0" smtClean="0">
-                <a:ln>
-                  <a:noFill/>
-                </a:ln>
-                <a:solidFill>
-                  <a:schemeClr val="tx1"/>
-                </a:solidFill>
-                <a:effectLst/>
-                <a:latin typeface="Arial" panose="020B0604020202020204" pitchFamily="34" charset="0"/>
-              </a:rPr>
-              <a:t> </a:t>
-            </a:r>
-            <a:r>
-              <a:rPr kumimoji="0" lang="en-US" altLang="en-US" sz="1800" b="1" i="0" u="none" strike="noStrike" cap="none" normalizeH="0" baseline="0" dirty="0" err="1" smtClean="0">
-                <a:ln>
-                  <a:noFill/>
-                </a:ln>
-                <a:solidFill>
-                  <a:schemeClr val="tx1"/>
-                </a:solidFill>
-                <a:effectLst/>
-                <a:latin typeface="Arial" panose="020B0604020202020204" pitchFamily="34" charset="0"/>
-              </a:rPr>
-              <a:t>Entrer</a:t>
-            </a:r>
-            <a:r>
-              <a:rPr kumimoji="0" lang="en-US" altLang="en-US" sz="1800" b="1" i="0" u="none" strike="noStrike" cap="none" normalizeH="0" baseline="0" dirty="0" smtClean="0">
-                <a:ln>
-                  <a:noFill/>
-                </a:ln>
-                <a:solidFill>
-                  <a:schemeClr val="tx1"/>
-                </a:solidFill>
-                <a:effectLst/>
-                <a:latin typeface="Arial" panose="020B0604020202020204" pitchFamily="34" charset="0"/>
-              </a:rPr>
-              <a:t> des </a:t>
-            </a:r>
-            <a:r>
-              <a:rPr kumimoji="0" lang="en-US" altLang="en-US" sz="1800" b="1" i="0" u="none" strike="noStrike" cap="none" normalizeH="0" baseline="0" dirty="0" err="1" smtClean="0">
-                <a:ln>
-                  <a:noFill/>
-                </a:ln>
-                <a:solidFill>
-                  <a:schemeClr val="tx1"/>
-                </a:solidFill>
-                <a:effectLst/>
-                <a:latin typeface="Arial" panose="020B0604020202020204" pitchFamily="34" charset="0"/>
-              </a:rPr>
-              <a:t>données</a:t>
-            </a:r>
-            <a:r>
-              <a:rPr kumimoji="0" lang="en-US" altLang="en-US" sz="1800" b="0" i="0" u="none" strike="noStrike" cap="none" normalizeH="0" baseline="0" dirty="0" smtClean="0">
-                <a:ln>
-                  <a:noFill/>
-                </a:ln>
-                <a:solidFill>
-                  <a:schemeClr val="tx1"/>
-                </a:solidFill>
-                <a:effectLst/>
-                <a:latin typeface="Arial" panose="020B0604020202020204" pitchFamily="34" charset="0"/>
-              </a:rPr>
               <a:t>.</a:t>
             </a:r>
+            <a:endParaRPr kumimoji="0" lang="fr-FR" altLang="en-US" sz="1800" b="0" i="0" u="none" strike="noStrike" cap="none" normalizeH="0" baseline="0" dirty="0" smtClean="0">
+              <a:ln>
+                <a:noFill/>
+              </a:ln>
+              <a:solidFill>
+                <a:schemeClr val="tx1"/>
+              </a:solidFill>
+              <a:effectLst/>
+              <a:latin typeface="Arial" panose="020B0604020202020204" pitchFamily="34" charset="0"/>
+            </a:endParaRPr>
           </a:p>
         </p:txBody>
       </p:sp>
@@ -6362,7 +6195,7 @@
         <p:spPr>
           <a:xfrm>
             <a:off x="398760" y="220007"/>
-            <a:ext cx="3785780" cy="523220"/>
+            <a:ext cx="4073936" cy="523220"/>
           </a:xfrm>
           <a:prstGeom prst="rect">
             <a:avLst/>
@@ -6376,27 +6209,27 @@
           <a:lstStyle/>
           <a:p>
             <a:r>
-              <a:rPr lang="en-US" sz="2800" dirty="0" smtClean="0">
+              <a:rPr lang="en-US" sz="2800" b="1" dirty="0" smtClean="0">
                 <a:latin typeface="Segoe UI" panose="020B0502040204020203" pitchFamily="34" charset="0"/>
                 <a:cs typeface="Segoe UI" panose="020B0502040204020203" pitchFamily="34" charset="0"/>
               </a:rPr>
               <a:t>Bins (</a:t>
             </a:r>
             <a:r>
-              <a:rPr lang="en-US" sz="2800" dirty="0" err="1" smtClean="0">
+              <a:rPr lang="en-US" sz="2800" b="1" dirty="0" err="1" smtClean="0">
                 <a:latin typeface="Segoe UI" panose="020B0502040204020203" pitchFamily="34" charset="0"/>
                 <a:cs typeface="Segoe UI" panose="020B0502040204020203" pitchFamily="34" charset="0"/>
               </a:rPr>
               <a:t>Compartiements</a:t>
             </a:r>
             <a:r>
-              <a:rPr lang="en-US" sz="2800" dirty="0" smtClean="0">
+              <a:rPr lang="en-US" sz="2800" b="1" dirty="0" smtClean="0">
                 <a:latin typeface="Segoe UI" panose="020B0502040204020203" pitchFamily="34" charset="0"/>
                 <a:cs typeface="Segoe UI" panose="020B0502040204020203" pitchFamily="34" charset="0"/>
               </a:rPr>
               <a:t>)</a:t>
             </a:r>
-            <a:endParaRPr lang="en-US" sz="2800" dirty="0">
+            <a:endParaRPr lang="en-US" sz="2800" b="1" dirty="0">
               <a:latin typeface="Segoe UI" panose="020B0502040204020203" pitchFamily="34" charset="0"/>
               <a:cs typeface="Segoe UI" panose="020B0502040204020203" pitchFamily="34" charset="0"/>
             </a:endParaRPr>
@@ -6455,8 +6288,8 @@
         </p:nvSpPr>
         <p:spPr bwMode="auto">
           <a:xfrm>
-            <a:off x="398760" y="743227"/>
-            <a:ext cx="7648248" cy="646331"/>
+            <a:off x="398759" y="743227"/>
+            <a:ext cx="10972801" cy="646331"/>
           </a:xfrm>
           <a:prstGeom prst="rect">
             <a:avLst/>
@@ -6496,7 +6329,7 @@
           </a:extLst>
         </p:spPr>
         <p:txBody>
-          <a:bodyPr vert="horz" wrap="none" lIns="91440" tIns="45720" rIns="91440" bIns="45720" numCol="1" anchor="ctr" anchorCtr="0" compatLnSpc="1">
+          <a:bodyPr vert="horz" wrap="square" lIns="91440" tIns="45720" rIns="91440" bIns="45720" numCol="1" anchor="ctr" anchorCtr="0" compatLnSpc="1">
             <a:prstTxWarp prst="textNoShape">
               <a:avLst/>
             </a:prstTxWarp>
@@ -6702,24 +6535,6 @@
               </a:rPr>
               <a:t> </a:t>
             </a:r>
-          </a:p>
-          <a:p>
-            <a:pPr marL="0" marR="0" lvl="0" indent="0" algn="l" defTabSz="914400" rtl="0" eaLnBrk="0" fontAlgn="base" latinLnBrk="0" hangingPunct="0">
-              <a:lnSpc>
-                <a:spcPct val="100000"/>
-              </a:lnSpc>
-              <a:spcBef>
-                <a:spcPct val="0"/>
-              </a:spcBef>
-              <a:spcAft>
-                <a:spcPct val="0"/>
-              </a:spcAft>
-              <a:buClrTx/>
-              <a:buSzTx/>
-              <a:buFontTx/>
-              <a:buNone/>
-              <a:tabLst/>
-            </a:pPr>
             <a:r>
               <a:rPr kumimoji="0" lang="en-US" altLang="en-US" sz="1800" b="0" i="0" u="none" strike="noStrike" cap="none" normalizeH="0" baseline="0" dirty="0" smtClean="0">
                 <a:ln>
@@ -6863,6 +6678,54 @@
               </a:rPr>
               <a:t>.</a:t>
             </a:r>
+          </a:p>
+        </p:txBody>
+      </p:sp>
+      <p:sp>
+        <p:nvSpPr>
+          <p:cNvPr id="6" name="Rectangle 5"/>
+          <p:cNvSpPr/>
+          <p:nvPr/>
+        </p:nvSpPr>
+        <p:spPr>
+          <a:xfrm>
+            <a:off x="506066" y="3045707"/>
+            <a:ext cx="2436514" cy="261258"/>
+          </a:xfrm>
+          <a:prstGeom prst="rect">
+            <a:avLst/>
+          </a:prstGeom>
+          <a:solidFill>
+            <a:srgbClr val="FF0000">
+              <a:alpha val="25000"/>
+            </a:srgbClr>
+          </a:solidFill>
+          <a:ln>
+            <a:noFill/>
+          </a:ln>
+        </p:spPr>
+        <p:style>
+          <a:lnRef idx="2">
+            <a:schemeClr val="accent1">
+              <a:shade val="50000"/>
+            </a:schemeClr>
+          </a:lnRef>
+          <a:fillRef idx="1">
+            <a:schemeClr val="accent1"/>
+          </a:fillRef>
+          <a:effectRef idx="0">
+            <a:schemeClr val="accent1"/>
+          </a:effectRef>
+          <a:fontRef idx="minor">
+            <a:schemeClr val="lt1"/>
+          </a:fontRef>
+        </p:style>
+        <p:txBody>
+          <a:bodyPr rtlCol="0" anchor="ctr"/>
+          <a:lstStyle/>
+          <a:p>
+            <a:pPr algn="ctr"/>
+            <a:endParaRPr lang="en-US"/>
           </a:p>
         </p:txBody>
       </p:sp>
@@ -6905,7 +6768,7 @@
         <p:spPr>
           <a:xfrm>
             <a:off x="398760" y="220007"/>
-            <a:ext cx="3785780" cy="523220"/>
+            <a:ext cx="4073936" cy="523220"/>
           </a:xfrm>
           <a:prstGeom prst="rect">
             <a:avLst/>
@@ -6919,27 +6782,27 @@
           <a:lstStyle/>
           <a:p>
             <a:r>
-              <a:rPr lang="en-US" sz="2800" dirty="0" smtClean="0">
+              <a:rPr lang="en-US" sz="2800" b="1" dirty="0" smtClean="0">
                 <a:latin typeface="Segoe UI" panose="020B0502040204020203" pitchFamily="34" charset="0"/>
                 <a:cs typeface="Segoe UI" panose="020B0502040204020203" pitchFamily="34" charset="0"/>
               </a:rPr>
               <a:t>Bins (</a:t>
             </a:r>
             <a:r>
-              <a:rPr lang="en-US" sz="2800" dirty="0" err="1" smtClean="0">
+              <a:rPr lang="en-US" sz="2800" b="1" dirty="0" err="1" smtClean="0">
                 <a:latin typeface="Segoe UI" panose="020B0502040204020203" pitchFamily="34" charset="0"/>
                 <a:cs typeface="Segoe UI" panose="020B0502040204020203" pitchFamily="34" charset="0"/>
               </a:rPr>
               <a:t>Compartiements</a:t>
             </a:r>
             <a:r>
-              <a:rPr lang="en-US" sz="2800" dirty="0" smtClean="0">
+              <a:rPr lang="en-US" sz="2800" b="1" dirty="0" smtClean="0">
                 <a:latin typeface="Segoe UI" panose="020B0502040204020203" pitchFamily="34" charset="0"/>
                 <a:cs typeface="Segoe UI" panose="020B0502040204020203" pitchFamily="34" charset="0"/>
               </a:rPr>
               <a:t>)</a:t>
             </a:r>
-            <a:endParaRPr lang="en-US" sz="2800" dirty="0">
+            <a:endParaRPr lang="en-US" sz="2800" b="1" dirty="0">
               <a:latin typeface="Segoe UI" panose="020B0502040204020203" pitchFamily="34" charset="0"/>
               <a:cs typeface="Segoe UI" panose="020B0502040204020203" pitchFamily="34" charset="0"/>
             </a:endParaRPr>
